--- a/Archive/CECS491A Presentation.pptx
+++ b/Archive/CECS491A Presentation.pptx
@@ -368,7 +368,7 @@
           <a:p>
             <a:fld id="{4AAD347D-5ACD-4C99-B74B-A9C85AD731AF}" type="datetimeFigureOut">
               <a:rPr lang="en-US" dirty="0"/>
-              <a:t>11/21/2024</a:t>
+              <a:t>12/3/2024</a:t>
             </a:fld>
             <a:endParaRPr lang="en-US"/>
           </a:p>
@@ -636,7 +636,7 @@
           <a:p>
             <a:fld id="{4509A250-FF31-4206-8172-F9D3106AACB1}" type="datetimeFigureOut">
               <a:rPr lang="en-US" dirty="0"/>
-              <a:t>11/21/2024</a:t>
+              <a:t>12/3/2024</a:t>
             </a:fld>
             <a:endParaRPr lang="en-US"/>
           </a:p>
@@ -824,7 +824,7 @@
           <a:p>
             <a:fld id="{4509A250-FF31-4206-8172-F9D3106AACB1}" type="datetimeFigureOut">
               <a:rPr lang="en-US" dirty="0"/>
-              <a:t>11/21/2024</a:t>
+              <a:t>12/3/2024</a:t>
             </a:fld>
             <a:endParaRPr lang="en-US"/>
           </a:p>
@@ -1091,7 +1091,7 @@
           <a:p>
             <a:fld id="{4509A250-FF31-4206-8172-F9D3106AACB1}" type="datetimeFigureOut">
               <a:rPr lang="en-US" dirty="0"/>
-              <a:t>11/21/2024</a:t>
+              <a:t>12/3/2024</a:t>
             </a:fld>
             <a:endParaRPr lang="en-US"/>
           </a:p>
@@ -1426,7 +1426,7 @@
           <a:p>
             <a:fld id="{4509A250-FF31-4206-8172-F9D3106AACB1}" type="datetimeFigureOut">
               <a:rPr lang="en-US" dirty="0"/>
-              <a:t>11/21/2024</a:t>
+              <a:t>12/3/2024</a:t>
             </a:fld>
             <a:endParaRPr lang="en-US"/>
           </a:p>
@@ -2043,7 +2043,7 @@
           <a:p>
             <a:fld id="{4509A250-FF31-4206-8172-F9D3106AACB1}" type="datetimeFigureOut">
               <a:rPr lang="en-US" dirty="0"/>
-              <a:t>11/21/2024</a:t>
+              <a:t>12/3/2024</a:t>
             </a:fld>
             <a:endParaRPr lang="en-US"/>
           </a:p>
@@ -2894,7 +2894,7 @@
           <a:p>
             <a:fld id="{4509A250-FF31-4206-8172-F9D3106AACB1}" type="datetimeFigureOut">
               <a:rPr lang="en-US" dirty="0"/>
-              <a:t>11/21/2024</a:t>
+              <a:t>12/3/2024</a:t>
             </a:fld>
             <a:endParaRPr lang="en-US"/>
           </a:p>
@@ -3057,7 +3057,7 @@
           <a:p>
             <a:fld id="{4509A250-FF31-4206-8172-F9D3106AACB1}" type="datetimeFigureOut">
               <a:rPr lang="en-US" dirty="0"/>
-              <a:t>11/21/2024</a:t>
+              <a:t>12/3/2024</a:t>
             </a:fld>
             <a:endParaRPr lang="en-US"/>
           </a:p>
@@ -3230,7 +3230,7 @@
           <a:p>
             <a:fld id="{4509A250-FF31-4206-8172-F9D3106AACB1}" type="datetimeFigureOut">
               <a:rPr lang="en-US" dirty="0"/>
-              <a:t>11/21/2024</a:t>
+              <a:t>12/3/2024</a:t>
             </a:fld>
             <a:endParaRPr lang="en-US"/>
           </a:p>
@@ -3393,7 +3393,7 @@
           <a:p>
             <a:fld id="{4509A250-FF31-4206-8172-F9D3106AACB1}" type="datetimeFigureOut">
               <a:rPr lang="en-US" dirty="0"/>
-              <a:t>11/21/2024</a:t>
+              <a:t>12/3/2024</a:t>
             </a:fld>
             <a:endParaRPr lang="en-US"/>
           </a:p>
@@ -3634,7 +3634,7 @@
           <a:p>
             <a:fld id="{9796027F-7875-4030-9381-8BD8C4F21935}" type="datetimeFigureOut">
               <a:rPr lang="en-US" dirty="0"/>
-              <a:t>11/21/2024</a:t>
+              <a:t>12/3/2024</a:t>
             </a:fld>
             <a:endParaRPr lang="en-US"/>
           </a:p>
@@ -3918,7 +3918,7 @@
           <a:p>
             <a:fld id="{9796027F-7875-4030-9381-8BD8C4F21935}" type="datetimeFigureOut">
               <a:rPr lang="en-US" dirty="0"/>
-              <a:t>11/21/2024</a:t>
+              <a:t>12/3/2024</a:t>
             </a:fld>
             <a:endParaRPr lang="en-US"/>
           </a:p>
@@ -4354,7 +4354,7 @@
           <a:p>
             <a:fld id="{9796027F-7875-4030-9381-8BD8C4F21935}" type="datetimeFigureOut">
               <a:rPr lang="en-US" dirty="0"/>
-              <a:t>11/21/2024</a:t>
+              <a:t>12/3/2024</a:t>
             </a:fld>
             <a:endParaRPr lang="en-US"/>
           </a:p>
@@ -4466,7 +4466,7 @@
           <a:p>
             <a:fld id="{4509A250-FF31-4206-8172-F9D3106AACB1}" type="datetimeFigureOut">
               <a:rPr lang="en-US" dirty="0"/>
-              <a:t>11/21/2024</a:t>
+              <a:t>12/3/2024</a:t>
             </a:fld>
             <a:endParaRPr lang="en-US"/>
           </a:p>
@@ -4556,7 +4556,7 @@
           <a:p>
             <a:fld id="{4509A250-FF31-4206-8172-F9D3106AACB1}" type="datetimeFigureOut">
               <a:rPr lang="en-US" dirty="0"/>
-              <a:t>11/21/2024</a:t>
+              <a:t>12/3/2024</a:t>
             </a:fld>
             <a:endParaRPr lang="en-US"/>
           </a:p>
@@ -4828,7 +4828,7 @@
           <a:p>
             <a:fld id="{4509A250-FF31-4206-8172-F9D3106AACB1}" type="datetimeFigureOut">
               <a:rPr lang="en-US" dirty="0"/>
-              <a:t>11/21/2024</a:t>
+              <a:t>12/3/2024</a:t>
             </a:fld>
             <a:endParaRPr lang="en-US"/>
           </a:p>
@@ -5096,7 +5096,7 @@
           <a:p>
             <a:fld id="{4509A250-FF31-4206-8172-F9D3106AACB1}" type="datetimeFigureOut">
               <a:rPr lang="en-US" dirty="0"/>
-              <a:t>11/21/2024</a:t>
+              <a:t>12/3/2024</a:t>
             </a:fld>
             <a:endParaRPr lang="en-US"/>
           </a:p>
@@ -5518,7 +5518,7 @@
           <a:p>
             <a:fld id="{4AAD347D-5ACD-4C99-B74B-A9C85AD731AF}" type="datetimeFigureOut">
               <a:rPr lang="en-US" dirty="0"/>
-              <a:t>11/21/2024</a:t>
+              <a:t>12/3/2024</a:t>
             </a:fld>
             <a:endParaRPr lang="en-US"/>
           </a:p>
@@ -7361,43 +7361,105 @@
             <p:ph type="title"/>
           </p:nvPr>
         </p:nvSpPr>
-        <p:spPr/>
+        <p:spPr>
+          <a:xfrm>
+            <a:off x="712366" y="109515"/>
+            <a:ext cx="10207425" cy="1400530"/>
+          </a:xfrm>
+        </p:spPr>
         <p:txBody>
           <a:bodyPr/>
           <a:lstStyle/>
           <a:p>
-            <a:r>
-              <a:rPr lang="ja-JP" altLang="en-US">
+            <a:pPr algn="ctr"/>
+            <a:r>
+              <a:rPr lang="en-US" altLang="ja-JP" dirty="0">
                 <a:ea typeface="メイリオ"/>
               </a:rPr>
-              <a:t>Start of the Demo</a:t>
-            </a:r>
-            <a:endParaRPr lang="ja-JP"/>
-          </a:p>
-        </p:txBody>
-      </p:sp>
-      <p:sp>
-        <p:nvSpPr>
-          <p:cNvPr id="3" name="コンテンツ プレースホルダー 2">
+              <a:t>Welcome to the </a:t>
+            </a:r>
+            <a:r>
+              <a:rPr lang="en-US" altLang="ja-JP" dirty="0" err="1">
+                <a:ea typeface="メイリオ"/>
+              </a:rPr>
+              <a:t>SharTooth</a:t>
+            </a:r>
+            <a:r>
+              <a:rPr lang="en-US" altLang="ja-JP" dirty="0">
+                <a:ea typeface="メイリオ"/>
+              </a:rPr>
+              <a:t> Restaurant</a:t>
+            </a:r>
+            <a:endParaRPr lang="ja-JP" dirty="0"/>
+          </a:p>
+        </p:txBody>
+      </p:sp>
+      <p:pic>
+        <p:nvPicPr>
+          <p:cNvPr id="7" name="Picture 6">
+            <a:hlinkClick r:id="rId2"/>
             <a:extLst>
               <a:ext uri="{FF2B5EF4-FFF2-40B4-BE49-F238E27FC236}">
-                <a16:creationId xmlns:a16="http://schemas.microsoft.com/office/drawing/2014/main" id="{F9F45216-D48D-AB8E-E78E-6B5156A27CD7}"/>
+                <a16:creationId xmlns:a16="http://schemas.microsoft.com/office/drawing/2014/main" id="{09179417-AE53-FEAF-9814-359931094EC8}"/>
               </a:ext>
             </a:extLst>
           </p:cNvPr>
-          <p:cNvSpPr>
-            <a:spLocks noGrp="1"/>
-          </p:cNvSpPr>
-          <p:nvPr>
-            <p:ph idx="1"/>
-          </p:nvPr>
-        </p:nvSpPr>
-        <p:spPr/>
-        <p:txBody>
-          <a:bodyPr/>
+          <p:cNvPicPr>
+            <a:picLocks noChangeAspect="1"/>
+          </p:cNvPicPr>
+          <p:nvPr/>
+        </p:nvPicPr>
+        <p:blipFill>
+          <a:blip r:embed="rId3"/>
+          <a:stretch>
+            <a:fillRect/>
+          </a:stretch>
+        </p:blipFill>
+        <p:spPr>
+          <a:xfrm>
+            <a:off x="2667290" y="809780"/>
+            <a:ext cx="5893615" cy="5299472"/>
+          </a:xfrm>
+          <a:prstGeom prst="rect">
+            <a:avLst/>
+          </a:prstGeom>
+        </p:spPr>
+      </p:pic>
+      <p:sp>
+        <p:nvSpPr>
+          <p:cNvPr id="8" name="TextBox 7">
+            <a:extLst>
+              <a:ext uri="{FF2B5EF4-FFF2-40B4-BE49-F238E27FC236}">
+                <a16:creationId xmlns:a16="http://schemas.microsoft.com/office/drawing/2014/main" id="{69F71984-2EBD-C78B-105C-131552CA2164}"/>
+              </a:ext>
+            </a:extLst>
+          </p:cNvPr>
+          <p:cNvSpPr txBox="1"/>
+          <p:nvPr/>
+        </p:nvSpPr>
+        <p:spPr>
+          <a:xfrm>
+            <a:off x="3922644" y="6221896"/>
+            <a:ext cx="5360505" cy="369332"/>
+          </a:xfrm>
+          <a:prstGeom prst="rect">
+            <a:avLst/>
+          </a:prstGeom>
+          <a:noFill/>
+        </p:spPr>
+        <p:txBody>
+          <a:bodyPr wrap="square" rtlCol="0">
+            <a:spAutoFit/>
+          </a:bodyPr>
           <a:lstStyle/>
           <a:p>
-            <a:endParaRPr lang="ja-JP" altLang="en-US"/>
+            <a:r>
+              <a:rPr lang="en-US" dirty="0">
+                <a:hlinkClick r:id="rId2"/>
+              </a:rPr>
+              <a:t>www.sharktoothrestaurant.com</a:t>
+            </a:r>
+            <a:endParaRPr lang="en-US" dirty="0"/>
           </a:p>
         </p:txBody>
       </p:sp>
@@ -7453,7 +7515,7 @@
           <a:lstStyle/>
           <a:p>
             <a:r>
-              <a:rPr lang="en-US"/>
+              <a:rPr lang="en-US" dirty="0"/>
               <a:t>Thank you!</a:t>
             </a:r>
           </a:p>
@@ -7592,98 +7654,53 @@
         </p:spPr>
         <p:txBody>
           <a:bodyPr vert="horz" lIns="91440" tIns="45720" rIns="91440" bIns="45720" rtlCol="0" anchor="t">
-            <a:normAutofit/>
+            <a:normAutofit fontScale="92500" lnSpcReduction="20000"/>
           </a:bodyPr>
           <a:lstStyle/>
           <a:p>
             <a:r>
               <a:rPr lang="en-US" dirty="0"/>
-              <a:t>Our restaurant website that can be easily adapted to be used by different restaurants.</a:t>
-            </a:r>
-          </a:p>
-          <a:p>
-            <a:pPr>
-              <a:buClr>
-                <a:srgbClr val="8AD0D6"/>
-              </a:buClr>
-            </a:pPr>
+              <a:t>Cloud-Hosted Database: The website's database is hosted in the cloud, ensuring reliability, scalability, and easy access.</a:t>
+            </a:r>
+          </a:p>
+          <a:p>
             <a:r>
               <a:rPr lang="en-US" dirty="0"/>
-              <a:t>Online database hosted through mongo atlas</a:t>
-            </a:r>
-          </a:p>
-          <a:p>
-            <a:pPr>
-              <a:buClr>
-                <a:srgbClr val="8AD0D6"/>
-              </a:buClr>
-            </a:pPr>
+              <a:t>Admin Portal Access: Restaurant administrators can easily access and manage the database through an intuitive admin portal.</a:t>
+            </a:r>
+          </a:p>
+          <a:p>
             <a:r>
               <a:rPr lang="en-US" dirty="0"/>
-              <a:t>Database has easy access via an admin portal</a:t>
-            </a:r>
-          </a:p>
-          <a:p>
-            <a:pPr>
-              <a:buClr>
-                <a:srgbClr val="8AD0D6"/>
-              </a:buClr>
-            </a:pPr>
+              <a:t>Unique Features to Enhance User Experience:</a:t>
+            </a:r>
+          </a:p>
+          <a:p>
+            <a:pPr lvl="1"/>
             <a:r>
               <a:rPr lang="en-US" dirty="0"/>
-              <a:t>Interesting features that make our website stand out</a:t>
-            </a:r>
-          </a:p>
-          <a:p>
-            <a:pPr lvl="1">
-              <a:buClr>
-                <a:srgbClr val="8AD0D6"/>
-              </a:buClr>
-              <a:buFont typeface="Courier New" charset="2"/>
-              <a:buChar char="o"/>
-            </a:pPr>
+              <a:t>Bill Splitting for Large Parties: Supports splitting the bill for up to 4 guests, making it convenient for larger groups.</a:t>
+            </a:r>
+          </a:p>
+          <a:p>
+            <a:pPr lvl="1"/>
             <a:r>
               <a:rPr lang="en-US" dirty="0"/>
-              <a:t>Allows for splitting the cart into 1 to 4 parts</a:t>
-            </a:r>
-          </a:p>
-          <a:p>
-            <a:pPr lvl="1">
-              <a:buClr>
-                <a:srgbClr val="8AD0D6"/>
-              </a:buClr>
-              <a:buFont typeface="Courier New" charset="2"/>
-              <a:buChar char="o"/>
-            </a:pPr>
+              <a:t>Customizable Themes: A settings button allows users to customize the website's theme to align with the restaurant’s branding or personal preferences.</a:t>
+            </a:r>
+          </a:p>
+          <a:p>
+            <a:pPr lvl="1"/>
             <a:r>
               <a:rPr lang="en-US" dirty="0"/>
-              <a:t>Added a settings button that allows for custom theme</a:t>
-            </a:r>
-          </a:p>
-          <a:p>
-            <a:pPr lvl="1">
-              <a:buClr>
-                <a:srgbClr val="8AD0D6"/>
-              </a:buClr>
-              <a:buFont typeface="Courier New" charset="2"/>
-              <a:buChar char="o"/>
-            </a:pPr>
+              <a:t>Local Order Printing: Seamlessly connects to a physical printer for printing order receipts locally, streamlining kitchen operations.</a:t>
+            </a:r>
+          </a:p>
+          <a:p>
+            <a:pPr lvl="1"/>
             <a:r>
               <a:rPr lang="en-US" dirty="0"/>
-              <a:t>Connection to physical printer to print order recipes locally</a:t>
-            </a:r>
-          </a:p>
-          <a:p>
-            <a:pPr lvl="1">
-              <a:buClr>
-                <a:srgbClr val="8AD0D6"/>
-              </a:buClr>
-              <a:buFont typeface="Courier New" charset="2"/>
-              <a:buChar char="o"/>
-            </a:pPr>
-            <a:r>
-              <a:rPr lang="en-US" dirty="0"/>
-              <a:t>Scannable QR codes so the customers don’t need to go to a website manually</a:t>
+              <a:t>Scannable QR Codes: QR codes at tables allow customers to automatically load their table number, enabling a smoother ordering and billing process.</a:t>
             </a:r>
           </a:p>
         </p:txBody>
@@ -7765,7 +7782,7 @@
         <p:spPr/>
         <p:txBody>
           <a:bodyPr vert="horz" lIns="91440" tIns="45720" rIns="91440" bIns="45720" rtlCol="0" anchor="t">
-            <a:normAutofit/>
+            <a:normAutofit fontScale="92500"/>
           </a:bodyPr>
           <a:lstStyle/>
           <a:p>
@@ -7774,35 +7791,25 @@
                 <a:ea typeface="+mj-lt"/>
                 <a:cs typeface="+mj-lt"/>
               </a:rPr>
-              <a:t>We see restaurants interested in providing convenience to their customers to make orders, it is a large market with constant expansion.</a:t>
-            </a:r>
-          </a:p>
-          <a:p>
-            <a:pPr>
-              <a:buClr>
-                <a:srgbClr val="8AD0D6"/>
-              </a:buClr>
-            </a:pPr>
+              <a:t>We recognize a growing trend among restaurants to provide greater convenience to their customers by enabling online ordering. This represents a significant and continually expanding market.</a:t>
+            </a:r>
+          </a:p>
+          <a:p>
             <a:r>
               <a:rPr lang="en-US" sz="2200" dirty="0">
                 <a:ea typeface="+mj-lt"/>
                 <a:cs typeface="+mj-lt"/>
               </a:rPr>
-              <a:t>Many restaurants, even today, still use physical menus when they could easily use a website and let customers order and customize items without the need ask questions</a:t>
-            </a:r>
-          </a:p>
-          <a:p>
-            <a:pPr>
-              <a:buClr>
-                <a:srgbClr val="8AD0D6"/>
-              </a:buClr>
-            </a:pPr>
+              <a:t>Despite the prevalence of digital solutions, many restaurants still rely on traditional physical menus, missing the opportunity to streamline their operations and enhance customer experience. By transitioning to a website-based system, restaurants can empower their customers to place orders directly without needing to interact with staff, saving time and reducing friction in the dining experience.</a:t>
+            </a:r>
+          </a:p>
+          <a:p>
             <a:r>
               <a:rPr lang="en-US" sz="2200" dirty="0">
                 <a:ea typeface="+mj-lt"/>
                 <a:cs typeface="+mj-lt"/>
               </a:rPr>
-              <a:t>Looking for the ability to use a website instead of physical menus allowing for easy splitting of bills for groups of people.</a:t>
+              <a:t>Our solution also caters to group dining by offering features like easy bill splitting, making it ideal for accommodating parties and enhancing customer satisfaction.</a:t>
             </a:r>
           </a:p>
         </p:txBody>
@@ -8039,19 +8046,9 @@
         </p:spPr>
         <p:txBody>
           <a:bodyPr vert="horz" lIns="91440" tIns="45720" rIns="91440" bIns="45720" rtlCol="0" anchor="t">
-            <a:normAutofit fontScale="92500"/>
+            <a:normAutofit/>
           </a:bodyPr>
           <a:lstStyle/>
-          <a:p>
-            <a:r>
-              <a:rPr lang="en-US" sz="2400" dirty="0">
-                <a:ea typeface="+mj-lt"/>
-                <a:cs typeface="+mj-lt"/>
-              </a:rPr>
-              <a:t>We started with a benchmark</a:t>
-            </a:r>
-            <a:endParaRPr lang="en-US" sz="2400" dirty="0"/>
-          </a:p>
           <a:p>
             <a:pPr>
               <a:buClr>
@@ -8059,11 +8056,8 @@
               </a:buClr>
             </a:pPr>
             <a:r>
-              <a:rPr lang="en-US" sz="2400" dirty="0">
-                <a:ea typeface="+mj-lt"/>
-                <a:cs typeface="+mj-lt"/>
-              </a:rPr>
-              <a:t>prepared our prototype</a:t>
+              <a:rPr lang="en-US" sz="2400" dirty="0"/>
+              <a:t>Team members visited restaurants and looked their websites to see what we thought worked an didn't work, we then adapted our website based on that information.</a:t>
             </a:r>
           </a:p>
           <a:p>
@@ -8077,7 +8071,7 @@
                 <a:ea typeface="+mj-lt"/>
                 <a:cs typeface="+mj-lt"/>
               </a:rPr>
-              <a:t>worked on the system architecture and used an agile approach for development to build the product.</a:t>
+              <a:t>Prepared our prototype</a:t>
             </a:r>
           </a:p>
           <a:p>
@@ -8087,8 +8081,11 @@
               </a:buClr>
             </a:pPr>
             <a:r>
-              <a:rPr lang="en-US" sz="2400" dirty="0"/>
-              <a:t>Through agile development we had many different versions of the website eventually leading to the current version</a:t>
+              <a:rPr lang="en-US" sz="2400" dirty="0">
+                <a:ea typeface="+mj-lt"/>
+                <a:cs typeface="+mj-lt"/>
+              </a:rPr>
+              <a:t>Worked on the system architecture and used an agile approach for development to build the product.</a:t>
             </a:r>
           </a:p>
           <a:p>
@@ -8099,7 +8096,7 @@
             </a:pPr>
             <a:r>
               <a:rPr lang="en-US" sz="2400" dirty="0"/>
-              <a:t>Team members visited restaurants and looked their websites to see what we though worked an didn't work, we then adapted our website based on that information.</a:t>
+              <a:t>Through agile development we had many different iterations resulting in constant evolution of our product.</a:t>
             </a:r>
           </a:p>
         </p:txBody>
@@ -8197,7 +8194,7 @@
           <a:p>
             <a:r>
               <a:rPr lang="en-US" dirty="0"/>
-              <a:t>We are easily able to managed a restaurants items though the admin portal linked to their website.</a:t>
+              <a:t>We are easily able to managed a restaurants items through the admin portal linked to their website.</a:t>
             </a:r>
           </a:p>
           <a:p>
@@ -9257,18 +9254,18 @@
 </file>
 
 <file path=customXml/item2.xml><?xml version="1.0" encoding="utf-8"?>
+<p:properties xmlns:p="http://schemas.microsoft.com/office/2006/metadata/properties" xmlns:xsi="http://www.w3.org/2001/XMLSchema-instance" xmlns:pc="http://schemas.microsoft.com/office/infopath/2007/PartnerControls">
+  <documentManagement/>
+</p:properties>
+</file>
+
+<file path=customXml/item3.xml><?xml version="1.0" encoding="utf-8"?>
 <?mso-contentType ?>
 <FormTemplates xmlns="http://schemas.microsoft.com/sharepoint/v3/contenttype/forms">
   <Display>DocumentLibraryForm</Display>
   <Edit>DocumentLibraryForm</Edit>
   <New>DocumentLibraryForm</New>
 </FormTemplates>
-</file>
-
-<file path=customXml/item3.xml><?xml version="1.0" encoding="utf-8"?>
-<p:properties xmlns:p="http://schemas.microsoft.com/office/2006/metadata/properties" xmlns:xsi="http://www.w3.org/2001/XMLSchema-instance" xmlns:pc="http://schemas.microsoft.com/office/infopath/2007/PartnerControls">
-  <documentManagement/>
-</p:properties>
 </file>
 
 <file path=customXml/itemProps1.xml><?xml version="1.0" encoding="utf-8"?>
@@ -9290,14 +9287,6 @@
 </file>
 
 <file path=customXml/itemProps2.xml><?xml version="1.0" encoding="utf-8"?>
-<ds:datastoreItem xmlns:ds="http://schemas.openxmlformats.org/officeDocument/2006/customXml" ds:itemID="{B6168AEF-7258-4D02-A1E8-7DC203F0D881}">
-  <ds:schemaRefs>
-    <ds:schemaRef ds:uri="http://schemas.microsoft.com/sharepoint/v3/contenttype/forms"/>
-  </ds:schemaRefs>
-</ds:datastoreItem>
-</file>
-
-<file path=customXml/itemProps3.xml><?xml version="1.0" encoding="utf-8"?>
 <ds:datastoreItem xmlns:ds="http://schemas.openxmlformats.org/officeDocument/2006/customXml" ds:itemID="{F06563F5-37E1-40FF-8DFF-0CA672B6BF62}">
   <ds:schemaRefs>
     <ds:schemaRef ds:uri="http://purl.org/dc/dcmitype/"/>
@@ -9311,4 +9300,12 @@
     <ds:schemaRef ds:uri="929e17a7-aa82-4055-9192-9c7fed335ad8"/>
   </ds:schemaRefs>
 </ds:datastoreItem>
+</file>
+
+<file path=customXml/itemProps3.xml><?xml version="1.0" encoding="utf-8"?>
+<ds:datastoreItem xmlns:ds="http://schemas.openxmlformats.org/officeDocument/2006/customXml" ds:itemID="{B6168AEF-7258-4D02-A1E8-7DC203F0D881}">
+  <ds:schemaRefs>
+    <ds:schemaRef ds:uri="http://schemas.microsoft.com/sharepoint/v3/contenttype/forms"/>
+  </ds:schemaRefs>
+</ds:datastoreItem>
 </file>
--- a/Archive/CECS491A Presentation.pptx
+++ b/Archive/CECS491A Presentation.pptx
@@ -14,8 +14,10 @@
     <p:sldId id="280" r:id="rId11"/>
     <p:sldId id="281" r:id="rId12"/>
     <p:sldId id="282" r:id="rId13"/>
-    <p:sldId id="283" r:id="rId14"/>
-    <p:sldId id="267" r:id="rId15"/>
+    <p:sldId id="285" r:id="rId14"/>
+    <p:sldId id="286" r:id="rId15"/>
+    <p:sldId id="283" r:id="rId16"/>
+    <p:sldId id="267" r:id="rId17"/>
   </p:sldIdLst>
   <p:sldSz cx="12192000" cy="6858000"/>
   <p:notesSz cx="6858000" cy="9144000"/>
@@ -368,7 +370,7 @@
           <a:p>
             <a:fld id="{4AAD347D-5ACD-4C99-B74B-A9C85AD731AF}" type="datetimeFigureOut">
               <a:rPr lang="en-US" dirty="0"/>
-              <a:t>12/3/2024</a:t>
+              <a:t>12/5/2024</a:t>
             </a:fld>
             <a:endParaRPr lang="en-US"/>
           </a:p>
@@ -636,7 +638,7 @@
           <a:p>
             <a:fld id="{4509A250-FF31-4206-8172-F9D3106AACB1}" type="datetimeFigureOut">
               <a:rPr lang="en-US" dirty="0"/>
-              <a:t>12/3/2024</a:t>
+              <a:t>12/5/2024</a:t>
             </a:fld>
             <a:endParaRPr lang="en-US"/>
           </a:p>
@@ -824,7 +826,7 @@
           <a:p>
             <a:fld id="{4509A250-FF31-4206-8172-F9D3106AACB1}" type="datetimeFigureOut">
               <a:rPr lang="en-US" dirty="0"/>
-              <a:t>12/3/2024</a:t>
+              <a:t>12/5/2024</a:t>
             </a:fld>
             <a:endParaRPr lang="en-US"/>
           </a:p>
@@ -1091,7 +1093,7 @@
           <a:p>
             <a:fld id="{4509A250-FF31-4206-8172-F9D3106AACB1}" type="datetimeFigureOut">
               <a:rPr lang="en-US" dirty="0"/>
-              <a:t>12/3/2024</a:t>
+              <a:t>12/5/2024</a:t>
             </a:fld>
             <a:endParaRPr lang="en-US"/>
           </a:p>
@@ -1426,7 +1428,7 @@
           <a:p>
             <a:fld id="{4509A250-FF31-4206-8172-F9D3106AACB1}" type="datetimeFigureOut">
               <a:rPr lang="en-US" dirty="0"/>
-              <a:t>12/3/2024</a:t>
+              <a:t>12/5/2024</a:t>
             </a:fld>
             <a:endParaRPr lang="en-US"/>
           </a:p>
@@ -2043,7 +2045,7 @@
           <a:p>
             <a:fld id="{4509A250-FF31-4206-8172-F9D3106AACB1}" type="datetimeFigureOut">
               <a:rPr lang="en-US" dirty="0"/>
-              <a:t>12/3/2024</a:t>
+              <a:t>12/5/2024</a:t>
             </a:fld>
             <a:endParaRPr lang="en-US"/>
           </a:p>
@@ -2894,7 +2896,7 @@
           <a:p>
             <a:fld id="{4509A250-FF31-4206-8172-F9D3106AACB1}" type="datetimeFigureOut">
               <a:rPr lang="en-US" dirty="0"/>
-              <a:t>12/3/2024</a:t>
+              <a:t>12/5/2024</a:t>
             </a:fld>
             <a:endParaRPr lang="en-US"/>
           </a:p>
@@ -3057,7 +3059,7 @@
           <a:p>
             <a:fld id="{4509A250-FF31-4206-8172-F9D3106AACB1}" type="datetimeFigureOut">
               <a:rPr lang="en-US" dirty="0"/>
-              <a:t>12/3/2024</a:t>
+              <a:t>12/5/2024</a:t>
             </a:fld>
             <a:endParaRPr lang="en-US"/>
           </a:p>
@@ -3230,7 +3232,7 @@
           <a:p>
             <a:fld id="{4509A250-FF31-4206-8172-F9D3106AACB1}" type="datetimeFigureOut">
               <a:rPr lang="en-US" dirty="0"/>
-              <a:t>12/3/2024</a:t>
+              <a:t>12/5/2024</a:t>
             </a:fld>
             <a:endParaRPr lang="en-US"/>
           </a:p>
@@ -3393,7 +3395,7 @@
           <a:p>
             <a:fld id="{4509A250-FF31-4206-8172-F9D3106AACB1}" type="datetimeFigureOut">
               <a:rPr lang="en-US" dirty="0"/>
-              <a:t>12/3/2024</a:t>
+              <a:t>12/5/2024</a:t>
             </a:fld>
             <a:endParaRPr lang="en-US"/>
           </a:p>
@@ -3634,7 +3636,7 @@
           <a:p>
             <a:fld id="{9796027F-7875-4030-9381-8BD8C4F21935}" type="datetimeFigureOut">
               <a:rPr lang="en-US" dirty="0"/>
-              <a:t>12/3/2024</a:t>
+              <a:t>12/5/2024</a:t>
             </a:fld>
             <a:endParaRPr lang="en-US"/>
           </a:p>
@@ -3918,7 +3920,7 @@
           <a:p>
             <a:fld id="{9796027F-7875-4030-9381-8BD8C4F21935}" type="datetimeFigureOut">
               <a:rPr lang="en-US" dirty="0"/>
-              <a:t>12/3/2024</a:t>
+              <a:t>12/5/2024</a:t>
             </a:fld>
             <a:endParaRPr lang="en-US"/>
           </a:p>
@@ -4354,7 +4356,7 @@
           <a:p>
             <a:fld id="{9796027F-7875-4030-9381-8BD8C4F21935}" type="datetimeFigureOut">
               <a:rPr lang="en-US" dirty="0"/>
-              <a:t>12/3/2024</a:t>
+              <a:t>12/5/2024</a:t>
             </a:fld>
             <a:endParaRPr lang="en-US"/>
           </a:p>
@@ -4466,7 +4468,7 @@
           <a:p>
             <a:fld id="{4509A250-FF31-4206-8172-F9D3106AACB1}" type="datetimeFigureOut">
               <a:rPr lang="en-US" dirty="0"/>
-              <a:t>12/3/2024</a:t>
+              <a:t>12/5/2024</a:t>
             </a:fld>
             <a:endParaRPr lang="en-US"/>
           </a:p>
@@ -4556,7 +4558,7 @@
           <a:p>
             <a:fld id="{4509A250-FF31-4206-8172-F9D3106AACB1}" type="datetimeFigureOut">
               <a:rPr lang="en-US" dirty="0"/>
-              <a:t>12/3/2024</a:t>
+              <a:t>12/5/2024</a:t>
             </a:fld>
             <a:endParaRPr lang="en-US"/>
           </a:p>
@@ -4828,7 +4830,7 @@
           <a:p>
             <a:fld id="{4509A250-FF31-4206-8172-F9D3106AACB1}" type="datetimeFigureOut">
               <a:rPr lang="en-US" dirty="0"/>
-              <a:t>12/3/2024</a:t>
+              <a:t>12/5/2024</a:t>
             </a:fld>
             <a:endParaRPr lang="en-US"/>
           </a:p>
@@ -5096,7 +5098,7 @@
           <a:p>
             <a:fld id="{4509A250-FF31-4206-8172-F9D3106AACB1}" type="datetimeFigureOut">
               <a:rPr lang="en-US" dirty="0"/>
-              <a:t>12/3/2024</a:t>
+              <a:t>12/5/2024</a:t>
             </a:fld>
             <a:endParaRPr lang="en-US"/>
           </a:p>
@@ -5518,7 +5520,7 @@
           <a:p>
             <a:fld id="{4AAD347D-5ACD-4C99-B74B-A9C85AD731AF}" type="datetimeFigureOut">
               <a:rPr lang="en-US" dirty="0"/>
-              <a:t>12/3/2024</a:t>
+              <a:t>12/5/2024</a:t>
             </a:fld>
             <a:endParaRPr lang="en-US"/>
           </a:p>
@@ -7347,6 +7349,215 @@
       </p:grpSpPr>
       <p:sp>
         <p:nvSpPr>
+          <p:cNvPr id="2" name="Title 1">
+            <a:extLst>
+              <a:ext uri="{FF2B5EF4-FFF2-40B4-BE49-F238E27FC236}">
+                <a16:creationId xmlns:a16="http://schemas.microsoft.com/office/drawing/2014/main" id="{911ACBE7-F2D7-1C8D-ECD8-EF5A4CFB9BE5}"/>
+              </a:ext>
+            </a:extLst>
+          </p:cNvPr>
+          <p:cNvSpPr>
+            <a:spLocks noGrp="1"/>
+          </p:cNvSpPr>
+          <p:nvPr>
+            <p:ph type="title"/>
+          </p:nvPr>
+        </p:nvSpPr>
+        <p:spPr/>
+        <p:txBody>
+          <a:bodyPr/>
+          <a:lstStyle/>
+          <a:p>
+            <a:r>
+              <a:rPr lang="en-US" dirty="0"/>
+              <a:t>Product Delivery / Installation</a:t>
+            </a:r>
+          </a:p>
+        </p:txBody>
+      </p:sp>
+      <p:sp>
+        <p:nvSpPr>
+          <p:cNvPr id="3" name="Content Placeholder 2">
+            <a:extLst>
+              <a:ext uri="{FF2B5EF4-FFF2-40B4-BE49-F238E27FC236}">
+                <a16:creationId xmlns:a16="http://schemas.microsoft.com/office/drawing/2014/main" id="{5CF7C072-06EC-A4C8-AC6C-9A7D022439BC}"/>
+              </a:ext>
+            </a:extLst>
+          </p:cNvPr>
+          <p:cNvSpPr>
+            <a:spLocks noGrp="1"/>
+          </p:cNvSpPr>
+          <p:nvPr>
+            <p:ph idx="1"/>
+          </p:nvPr>
+        </p:nvSpPr>
+        <p:spPr/>
+        <p:txBody>
+          <a:bodyPr/>
+          <a:lstStyle/>
+          <a:p>
+            <a:r>
+              <a:rPr lang="en-US" dirty="0"/>
+              <a:t>We would give the customer the choice to self host or allow us to host it for them</a:t>
+            </a:r>
+          </a:p>
+          <a:p>
+            <a:r>
+              <a:rPr lang="en-US" dirty="0"/>
+              <a:t>The database could be either hosted on our end or by the customer using their own custom database solution as our website is modular</a:t>
+            </a:r>
+          </a:p>
+          <a:p>
+            <a:r>
+              <a:rPr lang="en-US" dirty="0"/>
+              <a:t>Customer would give us a document of what they wanted on the website as well as an idea of what they wanted it to look like</a:t>
+            </a:r>
+          </a:p>
+          <a:p>
+            <a:r>
+              <a:rPr lang="en-US" dirty="0"/>
+              <a:t>After we got these documents we create their website, after they have confirmed they like the design we host it for them or remote into their server to setup the hosting for them locally</a:t>
+            </a:r>
+          </a:p>
+        </p:txBody>
+      </p:sp>
+    </p:spTree>
+    <p:extLst>
+      <p:ext uri="{BB962C8B-B14F-4D97-AF65-F5344CB8AC3E}">
+        <p14:creationId xmlns:p14="http://schemas.microsoft.com/office/powerpoint/2010/main" val="3782472456"/>
+      </p:ext>
+    </p:extLst>
+  </p:cSld>
+  <p:clrMapOvr>
+    <a:masterClrMapping/>
+  </p:clrMapOvr>
+</p:sld>
+</file>
+
+<file path=ppt/slides/slide11.xml><?xml version="1.0" encoding="utf-8"?>
+<p:sld xmlns:a="http://schemas.openxmlformats.org/drawingml/2006/main" xmlns:r="http://schemas.openxmlformats.org/officeDocument/2006/relationships" xmlns:p="http://schemas.openxmlformats.org/presentationml/2006/main">
+  <p:cSld>
+    <p:spTree>
+      <p:nvGrpSpPr>
+        <p:cNvPr id="1" name=""/>
+        <p:cNvGrpSpPr/>
+        <p:nvPr/>
+      </p:nvGrpSpPr>
+      <p:grpSpPr>
+        <a:xfrm>
+          <a:off x="0" y="0"/>
+          <a:ext cx="0" cy="0"/>
+          <a:chOff x="0" y="0"/>
+          <a:chExt cx="0" cy="0"/>
+        </a:xfrm>
+      </p:grpSpPr>
+      <p:sp>
+        <p:nvSpPr>
+          <p:cNvPr id="2" name="Title 1">
+            <a:extLst>
+              <a:ext uri="{FF2B5EF4-FFF2-40B4-BE49-F238E27FC236}">
+                <a16:creationId xmlns:a16="http://schemas.microsoft.com/office/drawing/2014/main" id="{149A7F90-EEBC-1608-180C-52EE9765BCFB}"/>
+              </a:ext>
+            </a:extLst>
+          </p:cNvPr>
+          <p:cNvSpPr>
+            <a:spLocks noGrp="1"/>
+          </p:cNvSpPr>
+          <p:nvPr>
+            <p:ph type="title"/>
+          </p:nvPr>
+        </p:nvSpPr>
+        <p:spPr/>
+        <p:txBody>
+          <a:bodyPr/>
+          <a:lstStyle/>
+          <a:p>
+            <a:r>
+              <a:rPr lang="en-US" dirty="0"/>
+              <a:t>How is our website profitable?	</a:t>
+            </a:r>
+          </a:p>
+        </p:txBody>
+      </p:sp>
+      <p:sp>
+        <p:nvSpPr>
+          <p:cNvPr id="3" name="Content Placeholder 2">
+            <a:extLst>
+              <a:ext uri="{FF2B5EF4-FFF2-40B4-BE49-F238E27FC236}">
+                <a16:creationId xmlns:a16="http://schemas.microsoft.com/office/drawing/2014/main" id="{1287B57E-699C-6023-A8D1-81FAFA4BBE15}"/>
+              </a:ext>
+            </a:extLst>
+          </p:cNvPr>
+          <p:cNvSpPr>
+            <a:spLocks noGrp="1"/>
+          </p:cNvSpPr>
+          <p:nvPr>
+            <p:ph idx="1"/>
+          </p:nvPr>
+        </p:nvSpPr>
+        <p:spPr/>
+        <p:txBody>
+          <a:bodyPr/>
+          <a:lstStyle/>
+          <a:p>
+            <a:r>
+              <a:rPr lang="en-US" dirty="0"/>
+              <a:t>We will have a lower initial cost to setup the website based on the customers needs</a:t>
+            </a:r>
+          </a:p>
+          <a:p>
+            <a:r>
+              <a:rPr lang="en-US" dirty="0"/>
+              <a:t>We will then charge for supporting the website</a:t>
+            </a:r>
+          </a:p>
+          <a:p>
+            <a:pPr lvl="1"/>
+            <a:r>
+              <a:rPr lang="en-US" dirty="0"/>
+              <a:t>For example if they found a bug they would call us and we would remotely fix it for them</a:t>
+            </a:r>
+          </a:p>
+          <a:p>
+            <a:r>
+              <a:rPr lang="en-US" dirty="0"/>
+              <a:t>The main focus of our income would be updates and support of the product rather than selling the product itself</a:t>
+            </a:r>
+          </a:p>
+        </p:txBody>
+      </p:sp>
+    </p:spTree>
+    <p:extLst>
+      <p:ext uri="{BB962C8B-B14F-4D97-AF65-F5344CB8AC3E}">
+        <p14:creationId xmlns:p14="http://schemas.microsoft.com/office/powerpoint/2010/main" val="3042675125"/>
+      </p:ext>
+    </p:extLst>
+  </p:cSld>
+  <p:clrMapOvr>
+    <a:masterClrMapping/>
+  </p:clrMapOvr>
+</p:sld>
+</file>
+
+<file path=ppt/slides/slide12.xml><?xml version="1.0" encoding="utf-8"?>
+<p:sld xmlns:a="http://schemas.openxmlformats.org/drawingml/2006/main" xmlns:r="http://schemas.openxmlformats.org/officeDocument/2006/relationships" xmlns:p="http://schemas.openxmlformats.org/presentationml/2006/main">
+  <p:cSld>
+    <p:spTree>
+      <p:nvGrpSpPr>
+        <p:cNvPr id="1" name=""/>
+        <p:cNvGrpSpPr/>
+        <p:nvPr/>
+      </p:nvGrpSpPr>
+      <p:grpSpPr>
+        <a:xfrm>
+          <a:off x="0" y="0"/>
+          <a:ext cx="0" cy="0"/>
+          <a:chOff x="0" y="0"/>
+          <a:chExt cx="0" cy="0"/>
+        </a:xfrm>
+      </p:grpSpPr>
+      <p:sp>
+        <p:nvSpPr>
           <p:cNvPr id="2" name="タイトル 1">
             <a:extLst>
               <a:ext uri="{FF2B5EF4-FFF2-40B4-BE49-F238E27FC236}">
@@ -7476,7 +7687,7 @@
 </p:sld>
 </file>
 
-<file path=ppt/slides/slide11.xml><?xml version="1.0" encoding="utf-8"?>
+<file path=ppt/slides/slide13.xml><?xml version="1.0" encoding="utf-8"?>
 <p:sld xmlns:a="http://schemas.openxmlformats.org/drawingml/2006/main" xmlns:r="http://schemas.openxmlformats.org/officeDocument/2006/relationships" xmlns:p="http://schemas.openxmlformats.org/presentationml/2006/main">
   <p:cSld>
     <p:spTree>
@@ -9086,6 +9297,12 @@
 </file>
 
 <file path=customXml/item1.xml><?xml version="1.0" encoding="utf-8"?>
+<p:properties xmlns:p="http://schemas.microsoft.com/office/2006/metadata/properties" xmlns:xsi="http://www.w3.org/2001/XMLSchema-instance" xmlns:pc="http://schemas.microsoft.com/office/infopath/2007/PartnerControls">
+  <documentManagement/>
+</p:properties>
+</file>
+
+<file path=customXml/item2.xml><?xml version="1.0" encoding="utf-8"?>
 <ct:contentTypeSchema xmlns:ct="http://schemas.microsoft.com/office/2006/metadata/contentType" xmlns:ma="http://schemas.microsoft.com/office/2006/metadata/properties/metaAttributes" ct:_="" ma:_="" ma:contentTypeName="Document" ma:contentTypeID="0x010100FFABBDA74B3AA542BB521D423810106B" ma:contentTypeVersion="8" ma:contentTypeDescription="Create a new document." ma:contentTypeScope="" ma:versionID="595201557ccc102e7edad97534e2bcd4">
   <xsd:schema xmlns:xsd="http://www.w3.org/2001/XMLSchema" xmlns:xs="http://www.w3.org/2001/XMLSchema" xmlns:p="http://schemas.microsoft.com/office/2006/metadata/properties" xmlns:ns2="929e17a7-aa82-4055-9192-9c7fed335ad8" targetNamespace="http://schemas.microsoft.com/office/2006/metadata/properties" ma:root="true" ma:fieldsID="a310b8f75963f443df9db03c3a836023" ns2:_="">
     <xsd:import namespace="929e17a7-aa82-4055-9192-9c7fed335ad8"/>
@@ -9253,12 +9470,6 @@
 </ct:contentTypeSchema>
 </file>
 
-<file path=customXml/item2.xml><?xml version="1.0" encoding="utf-8"?>
-<p:properties xmlns:p="http://schemas.microsoft.com/office/2006/metadata/properties" xmlns:xsi="http://www.w3.org/2001/XMLSchema-instance" xmlns:pc="http://schemas.microsoft.com/office/infopath/2007/PartnerControls">
-  <documentManagement/>
-</p:properties>
-</file>
-
 <file path=customXml/item3.xml><?xml version="1.0" encoding="utf-8"?>
 <?mso-contentType ?>
 <FormTemplates xmlns="http://schemas.microsoft.com/sharepoint/v3/contenttype/forms">
@@ -9269,6 +9480,22 @@
 </file>
 
 <file path=customXml/itemProps1.xml><?xml version="1.0" encoding="utf-8"?>
+<ds:datastoreItem xmlns:ds="http://schemas.openxmlformats.org/officeDocument/2006/customXml" ds:itemID="{F06563F5-37E1-40FF-8DFF-0CA672B6BF62}">
+  <ds:schemaRefs>
+    <ds:schemaRef ds:uri="http://purl.org/dc/dcmitype/"/>
+    <ds:schemaRef ds:uri="http://schemas.microsoft.com/office/infopath/2007/PartnerControls"/>
+    <ds:schemaRef ds:uri="http://schemas.microsoft.com/office/2006/metadata/properties"/>
+    <ds:schemaRef ds:uri="http://schemas.microsoft.com/office/2006/documentManagement/types"/>
+    <ds:schemaRef ds:uri="http://purl.org/dc/elements/1.1/"/>
+    <ds:schemaRef ds:uri="http://www.w3.org/XML/1998/namespace"/>
+    <ds:schemaRef ds:uri="http://purl.org/dc/terms/"/>
+    <ds:schemaRef ds:uri="http://schemas.openxmlformats.org/package/2006/metadata/core-properties"/>
+    <ds:schemaRef ds:uri="929e17a7-aa82-4055-9192-9c7fed335ad8"/>
+  </ds:schemaRefs>
+</ds:datastoreItem>
+</file>
+
+<file path=customXml/itemProps2.xml><?xml version="1.0" encoding="utf-8"?>
 <ds:datastoreItem xmlns:ds="http://schemas.openxmlformats.org/officeDocument/2006/customXml" ds:itemID="{7CB5CCC0-4D4C-4CBB-BF44-69897E072811}">
   <ds:schemaRefs>
     <ds:schemaRef ds:uri="929e17a7-aa82-4055-9192-9c7fed335ad8"/>
@@ -9286,22 +9513,6 @@
 </ds:datastoreItem>
 </file>
 
-<file path=customXml/itemProps2.xml><?xml version="1.0" encoding="utf-8"?>
-<ds:datastoreItem xmlns:ds="http://schemas.openxmlformats.org/officeDocument/2006/customXml" ds:itemID="{F06563F5-37E1-40FF-8DFF-0CA672B6BF62}">
-  <ds:schemaRefs>
-    <ds:schemaRef ds:uri="http://purl.org/dc/dcmitype/"/>
-    <ds:schemaRef ds:uri="http://schemas.microsoft.com/office/infopath/2007/PartnerControls"/>
-    <ds:schemaRef ds:uri="http://schemas.microsoft.com/office/2006/metadata/properties"/>
-    <ds:schemaRef ds:uri="http://schemas.microsoft.com/office/2006/documentManagement/types"/>
-    <ds:schemaRef ds:uri="http://purl.org/dc/elements/1.1/"/>
-    <ds:schemaRef ds:uri="http://www.w3.org/XML/1998/namespace"/>
-    <ds:schemaRef ds:uri="http://purl.org/dc/terms/"/>
-    <ds:schemaRef ds:uri="http://schemas.openxmlformats.org/package/2006/metadata/core-properties"/>
-    <ds:schemaRef ds:uri="929e17a7-aa82-4055-9192-9c7fed335ad8"/>
-  </ds:schemaRefs>
-</ds:datastoreItem>
-</file>
-
 <file path=customXml/itemProps3.xml><?xml version="1.0" encoding="utf-8"?>
 <ds:datastoreItem xmlns:ds="http://schemas.openxmlformats.org/officeDocument/2006/customXml" ds:itemID="{B6168AEF-7258-4D02-A1E8-7DC203F0D881}">
   <ds:schemaRefs>
